--- a/documents/Storyboard.pptx
+++ b/documents/Storyboard.pptx
@@ -145,6 +145,9 @@
         </p15:guide>
       </p15:sldGuideLst>
     </p:ext>
+    <p:ext uri="{2D200454-40CA-4A62-9FC3-DE9A4176ACB9}">
+      <p15:notesGuideLst xmlns:p15="http://schemas.microsoft.com/office/powerpoint/2012/main"/>
+    </p:ext>
   </p:extLst>
 </p:presentation>
 </file>
@@ -231,7 +234,7 @@
           <a:p>
             <a:fld id="{05A81AC7-55F8-406F-B3CE-2151D9D8D6C3}" type="datetimeFigureOut">
               <a:rPr lang="ko-KR" altLang="en-US" smtClean="0"/>
-              <a:t>2020-06-29</a:t>
+              <a:t>2020-07-16</a:t>
             </a:fld>
             <a:endParaRPr lang="ko-KR" altLang="en-US"/>
           </a:p>
@@ -397,7 +400,7 @@
             <a:fld id="{368C27B5-1C5B-4F09-A7C0-020D61B79805}" type="datetimeFigureOut">
               <a:rPr lang="ko-KR" altLang="en-US" smtClean="0"/>
               <a:pPr/>
-              <a:t>2020-06-29</a:t>
+              <a:t>2020-07-16</a:t>
             </a:fld>
             <a:endParaRPr lang="ko-KR" altLang="en-US"/>
           </a:p>
@@ -661,6 +664,91 @@
     </a:lvl9pPr>
   </p:notesStyle>
 </p:notesMaster>
+</file>
+
+<file path=ppt/notesSlides/notesSlide1.xml><?xml version="1.0" encoding="utf-8"?>
+<p:notes xmlns:a="http://schemas.openxmlformats.org/drawingml/2006/main" xmlns:r="http://schemas.openxmlformats.org/officeDocument/2006/relationships" xmlns:p="http://schemas.openxmlformats.org/presentationml/2006/main">
+  <p:cSld>
+    <p:spTree>
+      <p:nvGrpSpPr>
+        <p:cNvPr id="1" name=""/>
+        <p:cNvGrpSpPr/>
+        <p:nvPr/>
+      </p:nvGrpSpPr>
+      <p:grpSpPr>
+        <a:xfrm>
+          <a:off x="0" y="0"/>
+          <a:ext cx="0" cy="0"/>
+          <a:chOff x="0" y="0"/>
+          <a:chExt cx="0" cy="0"/>
+        </a:xfrm>
+      </p:grpSpPr>
+      <p:sp>
+        <p:nvSpPr>
+          <p:cNvPr id="2" name="슬라이드 이미지 개체 틀 1"/>
+          <p:cNvSpPr>
+            <a:spLocks noGrp="1" noRot="1" noChangeAspect="1"/>
+          </p:cNvSpPr>
+          <p:nvPr>
+            <p:ph type="sldImg"/>
+          </p:nvPr>
+        </p:nvSpPr>
+        <p:spPr/>
+      </p:sp>
+      <p:sp>
+        <p:nvSpPr>
+          <p:cNvPr id="3" name="슬라이드 노트 개체 틀 2"/>
+          <p:cNvSpPr>
+            <a:spLocks noGrp="1"/>
+          </p:cNvSpPr>
+          <p:nvPr>
+            <p:ph type="body" idx="1"/>
+          </p:nvPr>
+        </p:nvSpPr>
+        <p:spPr/>
+        <p:txBody>
+          <a:bodyPr/>
+          <a:lstStyle/>
+          <a:p>
+            <a:endParaRPr lang="ko-KR" altLang="en-US" dirty="0"/>
+          </a:p>
+        </p:txBody>
+      </p:sp>
+      <p:sp>
+        <p:nvSpPr>
+          <p:cNvPr id="4" name="슬라이드 번호 개체 틀 3"/>
+          <p:cNvSpPr>
+            <a:spLocks noGrp="1"/>
+          </p:cNvSpPr>
+          <p:nvPr>
+            <p:ph type="sldNum" sz="quarter" idx="10"/>
+          </p:nvPr>
+        </p:nvSpPr>
+        <p:spPr/>
+        <p:txBody>
+          <a:bodyPr/>
+          <a:lstStyle/>
+          <a:p>
+            <a:fld id="{0B55FC6C-CF9B-400A-B7B2-D752D6F85B9D}" type="slidenum">
+              <a:rPr lang="ko-KR" altLang="en-US" smtClean="0"/>
+              <a:pPr/>
+              <a:t>10</a:t>
+            </a:fld>
+            <a:endParaRPr lang="ko-KR" altLang="en-US" dirty="0"/>
+          </a:p>
+        </p:txBody>
+      </p:sp>
+    </p:spTree>
+    <p:extLst>
+      <p:ext uri="{BB962C8B-B14F-4D97-AF65-F5344CB8AC3E}">
+        <p14:creationId xmlns:p14="http://schemas.microsoft.com/office/powerpoint/2010/main" val="1446804754"/>
+      </p:ext>
+    </p:extLst>
+  </p:cSld>
+  <p:clrMapOvr>
+    <a:masterClrMapping/>
+  </p:clrMapOvr>
+</p:notes>
 </file>
 
 <file path=ppt/slideLayouts/slideLayout1.xml><?xml version="1.0" encoding="utf-8"?>
@@ -4553,31 +4641,7 @@
                 <a:latin typeface="+mn-ea"/>
                 <a:ea typeface="+mn-ea"/>
               </a:rPr>
-              <a:t> </a:t>
-            </a:r>
-            <a:r>
-              <a:rPr lang="en-US" altLang="ko-KR" sz="1000" baseline="0" dirty="0" smtClean="0">
-                <a:solidFill>
-                  <a:schemeClr val="bg1">
-                    <a:lumMod val="50000"/>
-                  </a:schemeClr>
-                </a:solidFill>
-                <a:latin typeface="+mn-ea"/>
-                <a:ea typeface="+mn-ea"/>
-              </a:rPr>
-              <a:t>| </a:t>
-            </a:r>
-            <a:r>
-              <a:rPr lang="en-US" altLang="ko-KR" sz="1000" baseline="0" dirty="0" smtClean="0">
-                <a:solidFill>
-                  <a:schemeClr val="bg1">
-                    <a:lumMod val="50000"/>
-                  </a:schemeClr>
-                </a:solidFill>
-                <a:latin typeface="+mn-ea"/>
-                <a:ea typeface="+mn-ea"/>
-              </a:rPr>
-              <a:t>T.010-3458-4250</a:t>
+              <a:t> | T.010-3458-4250</a:t>
             </a:r>
             <a:endParaRPr lang="ko-KR" altLang="en-US" sz="1000" dirty="0">
               <a:solidFill>
@@ -4814,7 +4878,30 @@
             </a:r>
             <a:r>
               <a:rPr lang="ko-KR" altLang="en-US" dirty="0" smtClean="0"/>
-              <a:t>등록이 성공적으로 이뤄지면 목록 페이지로 전환</a:t>
+              <a:t>등록이 성공적으로 </a:t>
+            </a:r>
+            <a:r>
+              <a:rPr lang="ko-KR" altLang="en-US" dirty="0" smtClean="0"/>
+              <a:t>이뤄지면 </a:t>
+            </a:r>
+            <a:r>
+              <a:rPr lang="ko-KR" altLang="en-US" dirty="0" smtClean="0"/>
+              <a:t>목록 페이지로 </a:t>
+            </a:r>
+            <a:r>
+              <a:rPr lang="ko-KR" altLang="en-US" dirty="0" smtClean="0"/>
+              <a:t>전환</a:t>
+            </a:r>
+            <a:endParaRPr lang="en-US" altLang="ko-KR" dirty="0" smtClean="0"/>
+          </a:p>
+          <a:p>
+            <a:r>
+              <a:rPr lang="ko-KR" altLang="en-US" dirty="0" err="1" smtClean="0"/>
+              <a:t>일괄등록을</a:t>
+            </a:r>
+            <a:r>
+              <a:rPr lang="ko-KR" altLang="en-US" dirty="0" smtClean="0"/>
+              <a:t> 클릭하면 엑셀 파일을 이용해서 다수의 회원을 일시에 등록하게 함</a:t>
             </a:r>
             <a:endParaRPr lang="en-US" altLang="ko-KR" dirty="0" smtClean="0"/>
           </a:p>
@@ -4874,7 +4961,7 @@
         </p:nvSpPr>
         <p:spPr>
           <a:xfrm>
-            <a:off x="299794" y="4159689"/>
+            <a:off x="299794" y="4463683"/>
             <a:ext cx="709387" cy="229725"/>
           </a:xfrm>
           <a:prstGeom prst="roundRect">
@@ -5781,7 +5868,7 @@
         </p:nvSpPr>
         <p:spPr>
           <a:xfrm>
-            <a:off x="282644" y="3093419"/>
+            <a:off x="282644" y="3397413"/>
             <a:ext cx="920980" cy="246221"/>
           </a:xfrm>
           <a:prstGeom prst="rect">
@@ -5825,7 +5912,7 @@
         </p:nvSpPr>
         <p:spPr>
           <a:xfrm>
-            <a:off x="1225454" y="3091824"/>
+            <a:off x="1225454" y="3395818"/>
             <a:ext cx="1185919" cy="236986"/>
           </a:xfrm>
           <a:prstGeom prst="rect">
@@ -5874,7 +5961,7 @@
         </p:nvSpPr>
         <p:spPr>
           <a:xfrm>
-            <a:off x="282644" y="3401251"/>
+            <a:off x="282644" y="3705245"/>
             <a:ext cx="920980" cy="246221"/>
           </a:xfrm>
           <a:prstGeom prst="rect">
@@ -5918,7 +6005,7 @@
         </p:nvSpPr>
         <p:spPr>
           <a:xfrm>
-            <a:off x="1225454" y="3399656"/>
+            <a:off x="1225454" y="3703650"/>
             <a:ext cx="3202530" cy="446322"/>
           </a:xfrm>
           <a:prstGeom prst="rect">
@@ -5967,7 +6054,7 @@
         </p:nvSpPr>
         <p:spPr>
           <a:xfrm>
-            <a:off x="314156" y="3909705"/>
+            <a:off x="314156" y="4213699"/>
             <a:ext cx="920980" cy="246221"/>
           </a:xfrm>
           <a:prstGeom prst="rect">
@@ -6011,7 +6098,7 @@
         </p:nvSpPr>
         <p:spPr>
           <a:xfrm>
-            <a:off x="1269004" y="3992425"/>
+            <a:off x="1269004" y="4296419"/>
             <a:ext cx="134644" cy="128144"/>
           </a:xfrm>
           <a:prstGeom prst="ellipse">
@@ -6060,7 +6147,7 @@
         </p:nvSpPr>
         <p:spPr>
           <a:xfrm>
-            <a:off x="1431565" y="3924863"/>
+            <a:off x="1431565" y="4228857"/>
             <a:ext cx="692163" cy="246221"/>
           </a:xfrm>
           <a:prstGeom prst="rect">
@@ -6075,7 +6162,7 @@
           <a:lstStyle/>
           <a:p>
             <a:r>
-              <a:rPr lang="ko-KR" altLang="en-US" sz="1000" smtClean="0">
+              <a:rPr lang="ko-KR" altLang="en-US" sz="1000" dirty="0" smtClean="0">
                 <a:solidFill>
                   <a:schemeClr val="tx1">
                     <a:lumMod val="50000"/>
@@ -6104,7 +6191,7 @@
         </p:nvSpPr>
         <p:spPr>
           <a:xfrm>
-            <a:off x="2132524" y="3975559"/>
+            <a:off x="2132524" y="4279553"/>
             <a:ext cx="134644" cy="128144"/>
           </a:xfrm>
           <a:prstGeom prst="ellipse">
@@ -6153,7 +6240,7 @@
         </p:nvSpPr>
         <p:spPr>
           <a:xfrm>
-            <a:off x="2295085" y="3907997"/>
+            <a:off x="2295085" y="4211991"/>
             <a:ext cx="692163" cy="246221"/>
           </a:xfrm>
           <a:prstGeom prst="rect">
@@ -6197,7 +6284,7 @@
         </p:nvSpPr>
         <p:spPr>
           <a:xfrm>
-            <a:off x="2980326" y="3978152"/>
+            <a:off x="2980326" y="4282146"/>
             <a:ext cx="134644" cy="128144"/>
           </a:xfrm>
           <a:prstGeom prst="ellipse">
@@ -6246,7 +6333,7 @@
         </p:nvSpPr>
         <p:spPr>
           <a:xfrm>
-            <a:off x="3142887" y="3910590"/>
+            <a:off x="3142887" y="4214584"/>
             <a:ext cx="692163" cy="246221"/>
           </a:xfrm>
           <a:prstGeom prst="rect">
@@ -6349,7 +6436,7 @@
         </p:nvSpPr>
         <p:spPr>
           <a:xfrm>
-            <a:off x="2135208" y="4360339"/>
+            <a:off x="1919184" y="4664333"/>
             <a:ext cx="888123" cy="237635"/>
           </a:xfrm>
           <a:prstGeom prst="roundRect">
@@ -6404,7 +6491,7 @@
         </p:nvSpPr>
         <p:spPr>
           <a:xfrm>
-            <a:off x="3131840" y="4299942"/>
+            <a:off x="2915816" y="4603936"/>
             <a:ext cx="216024" cy="216024"/>
           </a:xfrm>
           <a:prstGeom prst="roundRect">
@@ -6456,7 +6543,7 @@
         </p:nvSpPr>
         <p:spPr>
           <a:xfrm>
-            <a:off x="2223077" y="3142550"/>
+            <a:off x="2223077" y="3446544"/>
             <a:ext cx="144016" cy="118397"/>
           </a:xfrm>
           <a:prstGeom prst="flowChartMerge">
@@ -6502,7 +6589,7 @@
         </p:nvSpPr>
         <p:spPr>
           <a:xfrm>
-            <a:off x="3760995" y="3102305"/>
+            <a:off x="3760995" y="3406299"/>
             <a:ext cx="216024" cy="216024"/>
           </a:xfrm>
           <a:prstGeom prst="roundRect">
@@ -6554,7 +6641,7 @@
         </p:nvSpPr>
         <p:spPr>
           <a:xfrm>
-            <a:off x="2451424" y="3094361"/>
+            <a:off x="2451424" y="3398355"/>
             <a:ext cx="1185919" cy="236986"/>
           </a:xfrm>
           <a:prstGeom prst="rect">
@@ -6638,6 +6725,299 @@
           <a:p>
             <a:pPr algn="ctr"/>
             <a:endParaRPr lang="ko-KR" altLang="en-US"/>
+          </a:p>
+        </p:txBody>
+      </p:sp>
+      <p:sp>
+        <p:nvSpPr>
+          <p:cNvPr id="46" name="TextBox 45"/>
+          <p:cNvSpPr txBox="1"/>
+          <p:nvPr/>
+        </p:nvSpPr>
+        <p:spPr>
+          <a:xfrm>
+            <a:off x="290638" y="3090207"/>
+            <a:ext cx="920980" cy="246221"/>
+          </a:xfrm>
+          <a:prstGeom prst="rect">
+            <a:avLst/>
+          </a:prstGeom>
+          <a:noFill/>
+        </p:spPr>
+        <p:txBody>
+          <a:bodyPr wrap="square" rtlCol="0">
+            <a:spAutoFit/>
+          </a:bodyPr>
+          <a:lstStyle/>
+          <a:p>
+            <a:r>
+              <a:rPr lang="ko-KR" altLang="en-US" sz="1000" dirty="0" smtClean="0">
+                <a:solidFill>
+                  <a:schemeClr val="tx1">
+                    <a:lumMod val="50000"/>
+                    <a:lumOff val="50000"/>
+                  </a:schemeClr>
+                </a:solidFill>
+              </a:rPr>
+              <a:t>이메일</a:t>
+            </a:r>
+            <a:endParaRPr lang="ko-KR" altLang="en-US" sz="1000" dirty="0">
+              <a:solidFill>
+                <a:schemeClr val="tx1">
+                  <a:lumMod val="50000"/>
+                  <a:lumOff val="50000"/>
+                </a:schemeClr>
+              </a:solidFill>
+            </a:endParaRPr>
+          </a:p>
+        </p:txBody>
+      </p:sp>
+      <p:sp>
+        <p:nvSpPr>
+          <p:cNvPr id="48" name="직사각형 47"/>
+          <p:cNvSpPr/>
+          <p:nvPr/>
+        </p:nvSpPr>
+        <p:spPr>
+          <a:xfrm>
+            <a:off x="1233448" y="3088612"/>
+            <a:ext cx="1185919" cy="236986"/>
+          </a:xfrm>
+          <a:prstGeom prst="rect">
+            <a:avLst/>
+          </a:prstGeom>
+          <a:noFill/>
+          <a:ln w="6350">
+            <a:solidFill>
+              <a:schemeClr val="tx1">
+                <a:lumMod val="50000"/>
+                <a:lumOff val="50000"/>
+              </a:schemeClr>
+            </a:solidFill>
+          </a:ln>
+        </p:spPr>
+        <p:style>
+          <a:lnRef idx="2">
+            <a:schemeClr val="accent1">
+              <a:shade val="50000"/>
+            </a:schemeClr>
+          </a:lnRef>
+          <a:fillRef idx="1">
+            <a:schemeClr val="accent1"/>
+          </a:fillRef>
+          <a:effectRef idx="0">
+            <a:schemeClr val="accent1"/>
+          </a:effectRef>
+          <a:fontRef idx="minor">
+            <a:schemeClr val="lt1"/>
+          </a:fontRef>
+        </p:style>
+        <p:txBody>
+          <a:bodyPr rtlCol="0" anchor="ctr"/>
+          <a:lstStyle/>
+          <a:p>
+            <a:pPr algn="ctr"/>
+            <a:endParaRPr lang="ko-KR" altLang="en-US"/>
+          </a:p>
+        </p:txBody>
+      </p:sp>
+      <p:sp>
+        <p:nvSpPr>
+          <p:cNvPr id="49" name="타원 48"/>
+          <p:cNvSpPr/>
+          <p:nvPr/>
+        </p:nvSpPr>
+        <p:spPr>
+          <a:xfrm>
+            <a:off x="3923928" y="4282340"/>
+            <a:ext cx="134644" cy="128144"/>
+          </a:xfrm>
+          <a:prstGeom prst="ellipse">
+            <a:avLst/>
+          </a:prstGeom>
+          <a:noFill/>
+          <a:ln w="6350">
+            <a:solidFill>
+              <a:schemeClr val="tx1">
+                <a:lumMod val="50000"/>
+                <a:lumOff val="50000"/>
+              </a:schemeClr>
+            </a:solidFill>
+          </a:ln>
+        </p:spPr>
+        <p:style>
+          <a:lnRef idx="2">
+            <a:schemeClr val="accent1">
+              <a:shade val="50000"/>
+            </a:schemeClr>
+          </a:lnRef>
+          <a:fillRef idx="1">
+            <a:schemeClr val="accent1"/>
+          </a:fillRef>
+          <a:effectRef idx="0">
+            <a:schemeClr val="accent1"/>
+          </a:effectRef>
+          <a:fontRef idx="minor">
+            <a:schemeClr val="lt1"/>
+          </a:fontRef>
+        </p:style>
+        <p:txBody>
+          <a:bodyPr rtlCol="0" anchor="ctr"/>
+          <a:lstStyle/>
+          <a:p>
+            <a:pPr algn="ctr"/>
+            <a:endParaRPr lang="ko-KR" altLang="en-US"/>
+          </a:p>
+        </p:txBody>
+      </p:sp>
+      <p:sp>
+        <p:nvSpPr>
+          <p:cNvPr id="50" name="TextBox 49"/>
+          <p:cNvSpPr txBox="1"/>
+          <p:nvPr/>
+        </p:nvSpPr>
+        <p:spPr>
+          <a:xfrm>
+            <a:off x="4086489" y="4214778"/>
+            <a:ext cx="692163" cy="246221"/>
+          </a:xfrm>
+          <a:prstGeom prst="rect">
+            <a:avLst/>
+          </a:prstGeom>
+          <a:noFill/>
+        </p:spPr>
+        <p:txBody>
+          <a:bodyPr wrap="square" rtlCol="0">
+            <a:spAutoFit/>
+          </a:bodyPr>
+          <a:lstStyle/>
+          <a:p>
+            <a:r>
+              <a:rPr lang="ko-KR" altLang="en-US" sz="1000" dirty="0" smtClean="0">
+                <a:solidFill>
+                  <a:schemeClr val="tx1">
+                    <a:lumMod val="50000"/>
+                    <a:lumOff val="50000"/>
+                  </a:schemeClr>
+                </a:solidFill>
+              </a:rPr>
+              <a:t>가족회원</a:t>
+            </a:r>
+            <a:endParaRPr lang="ko-KR" altLang="en-US" sz="1000" dirty="0">
+              <a:solidFill>
+                <a:schemeClr val="tx1">
+                  <a:lumMod val="50000"/>
+                  <a:lumOff val="50000"/>
+                </a:schemeClr>
+              </a:solidFill>
+            </a:endParaRPr>
+          </a:p>
+        </p:txBody>
+      </p:sp>
+      <p:sp>
+        <p:nvSpPr>
+          <p:cNvPr id="51" name="모서리가 둥근 직사각형 50"/>
+          <p:cNvSpPr/>
+          <p:nvPr/>
+        </p:nvSpPr>
+        <p:spPr>
+          <a:xfrm>
+            <a:off x="3323837" y="4666560"/>
+            <a:ext cx="888123" cy="237635"/>
+          </a:xfrm>
+          <a:prstGeom prst="roundRect">
+            <a:avLst/>
+          </a:prstGeom>
+          <a:solidFill>
+            <a:schemeClr val="tx2">
+              <a:lumMod val="40000"/>
+              <a:lumOff val="60000"/>
+            </a:schemeClr>
+          </a:solidFill>
+          <a:ln w="12700">
+            <a:solidFill>
+              <a:schemeClr val="tx2"/>
+            </a:solidFill>
+          </a:ln>
+        </p:spPr>
+        <p:style>
+          <a:lnRef idx="2">
+            <a:schemeClr val="accent1">
+              <a:shade val="50000"/>
+            </a:schemeClr>
+          </a:lnRef>
+          <a:fillRef idx="1">
+            <a:schemeClr val="accent1"/>
+          </a:fillRef>
+          <a:effectRef idx="0">
+            <a:schemeClr val="accent1"/>
+          </a:effectRef>
+          <a:fontRef idx="minor">
+            <a:schemeClr val="lt1"/>
+          </a:fontRef>
+        </p:style>
+        <p:txBody>
+          <a:bodyPr rtlCol="0" anchor="ctr"/>
+          <a:lstStyle/>
+          <a:p>
+            <a:pPr algn="ctr"/>
+            <a:r>
+              <a:rPr lang="ko-KR" altLang="en-US" sz="900" dirty="0" err="1" smtClean="0"/>
+              <a:t>일괄등록</a:t>
+            </a:r>
+            <a:endParaRPr lang="ko-KR" altLang="en-US" sz="900" dirty="0"/>
+          </a:p>
+        </p:txBody>
+      </p:sp>
+      <p:sp>
+        <p:nvSpPr>
+          <p:cNvPr id="53" name="모서리가 둥근 직사각형 52"/>
+          <p:cNvSpPr/>
+          <p:nvPr/>
+        </p:nvSpPr>
+        <p:spPr>
+          <a:xfrm>
+            <a:off x="4283968" y="4587974"/>
+            <a:ext cx="216024" cy="216024"/>
+          </a:xfrm>
+          <a:prstGeom prst="roundRect">
+            <a:avLst/>
+          </a:prstGeom>
+          <a:solidFill>
+            <a:schemeClr val="accent6">
+              <a:lumMod val="75000"/>
+            </a:schemeClr>
+          </a:solidFill>
+          <a:ln>
+            <a:noFill/>
+          </a:ln>
+        </p:spPr>
+        <p:style>
+          <a:lnRef idx="2">
+            <a:schemeClr val="accent1">
+              <a:shade val="50000"/>
+            </a:schemeClr>
+          </a:lnRef>
+          <a:fillRef idx="1">
+            <a:schemeClr val="accent1"/>
+          </a:fillRef>
+          <a:effectRef idx="0">
+            <a:schemeClr val="accent1"/>
+          </a:effectRef>
+          <a:fontRef idx="minor">
+            <a:schemeClr val="lt1"/>
+          </a:fontRef>
+        </p:style>
+        <p:txBody>
+          <a:bodyPr lIns="0" rIns="0" rtlCol="0" anchor="ctr"/>
+          <a:lstStyle/>
+          <a:p>
+            <a:pPr algn="ctr"/>
+            <a:r>
+              <a:rPr lang="en-US" altLang="ko-KR" sz="1050" b="1" dirty="0" smtClean="0"/>
+              <a:t>4</a:t>
+            </a:r>
+            <a:endParaRPr lang="ko-KR" altLang="en-US" sz="1050" b="1" dirty="0"/>
           </a:p>
         </p:txBody>
       </p:sp>
@@ -6847,7 +7227,7 @@
         </p:nvSpPr>
         <p:spPr>
           <a:xfrm>
-            <a:off x="299794" y="4159689"/>
+            <a:off x="299794" y="4437721"/>
             <a:ext cx="709387" cy="229725"/>
           </a:xfrm>
           <a:prstGeom prst="roundRect">
@@ -7653,7 +8033,7 @@
         </p:nvSpPr>
         <p:spPr>
           <a:xfrm>
-            <a:off x="282644" y="3093419"/>
+            <a:off x="282644" y="3371451"/>
             <a:ext cx="920980" cy="246221"/>
           </a:xfrm>
           <a:prstGeom prst="rect">
@@ -7697,7 +8077,7 @@
         </p:nvSpPr>
         <p:spPr>
           <a:xfrm>
-            <a:off x="1225454" y="3091824"/>
+            <a:off x="1225454" y="3369856"/>
             <a:ext cx="1185919" cy="236986"/>
           </a:xfrm>
           <a:prstGeom prst="rect">
@@ -7746,7 +8126,7 @@
         </p:nvSpPr>
         <p:spPr>
           <a:xfrm>
-            <a:off x="282644" y="3401251"/>
+            <a:off x="282644" y="3679283"/>
             <a:ext cx="920980" cy="246221"/>
           </a:xfrm>
           <a:prstGeom prst="rect">
@@ -7790,7 +8170,7 @@
         </p:nvSpPr>
         <p:spPr>
           <a:xfrm>
-            <a:off x="1225454" y="3399656"/>
+            <a:off x="1225454" y="3677688"/>
             <a:ext cx="3202530" cy="446322"/>
           </a:xfrm>
           <a:prstGeom prst="rect">
@@ -7839,7 +8219,7 @@
         </p:nvSpPr>
         <p:spPr>
           <a:xfrm>
-            <a:off x="314156" y="3909705"/>
+            <a:off x="314156" y="4187737"/>
             <a:ext cx="920980" cy="246221"/>
           </a:xfrm>
           <a:prstGeom prst="rect">
@@ -7883,7 +8263,7 @@
         </p:nvSpPr>
         <p:spPr>
           <a:xfrm>
-            <a:off x="1269004" y="3992425"/>
+            <a:off x="1269004" y="4270457"/>
             <a:ext cx="134644" cy="128144"/>
           </a:xfrm>
           <a:prstGeom prst="ellipse">
@@ -7932,7 +8312,7 @@
         </p:nvSpPr>
         <p:spPr>
           <a:xfrm>
-            <a:off x="1431565" y="3924863"/>
+            <a:off x="1431565" y="4202895"/>
             <a:ext cx="692163" cy="246221"/>
           </a:xfrm>
           <a:prstGeom prst="rect">
@@ -7976,7 +8356,7 @@
         </p:nvSpPr>
         <p:spPr>
           <a:xfrm>
-            <a:off x="2132524" y="3975559"/>
+            <a:off x="2132524" y="4253591"/>
             <a:ext cx="134644" cy="128144"/>
           </a:xfrm>
           <a:prstGeom prst="ellipse">
@@ -8025,7 +8405,7 @@
         </p:nvSpPr>
         <p:spPr>
           <a:xfrm>
-            <a:off x="2295085" y="3907997"/>
+            <a:off x="2295085" y="4186029"/>
             <a:ext cx="692163" cy="246221"/>
           </a:xfrm>
           <a:prstGeom prst="rect">
@@ -8069,7 +8449,7 @@
         </p:nvSpPr>
         <p:spPr>
           <a:xfrm>
-            <a:off x="2980326" y="3978152"/>
+            <a:off x="2980326" y="4256184"/>
             <a:ext cx="134644" cy="128144"/>
           </a:xfrm>
           <a:prstGeom prst="ellipse">
@@ -8118,7 +8498,7 @@
         </p:nvSpPr>
         <p:spPr>
           <a:xfrm>
-            <a:off x="3142887" y="3910590"/>
+            <a:off x="3142887" y="4188622"/>
             <a:ext cx="692163" cy="246221"/>
           </a:xfrm>
           <a:prstGeom prst="rect">
@@ -8162,7 +8542,7 @@
         </p:nvSpPr>
         <p:spPr>
           <a:xfrm>
-            <a:off x="2135208" y="4360339"/>
+            <a:off x="2135208" y="4638371"/>
             <a:ext cx="888123" cy="237635"/>
           </a:xfrm>
           <a:prstGeom prst="roundRect">
@@ -8217,7 +8597,7 @@
         </p:nvSpPr>
         <p:spPr>
           <a:xfrm>
-            <a:off x="3131840" y="4299942"/>
+            <a:off x="3131840" y="4577974"/>
             <a:ext cx="216024" cy="216024"/>
           </a:xfrm>
           <a:prstGeom prst="roundRect">
@@ -8365,7 +8745,7 @@
         </p:nvSpPr>
         <p:spPr>
           <a:xfrm>
-            <a:off x="2223077" y="3142550"/>
+            <a:off x="2223077" y="3420582"/>
             <a:ext cx="144016" cy="118397"/>
           </a:xfrm>
           <a:prstGeom prst="flowChartMerge">
@@ -8411,7 +8791,7 @@
         </p:nvSpPr>
         <p:spPr>
           <a:xfrm>
-            <a:off x="2451424" y="3094361"/>
+            <a:off x="2451424" y="3372393"/>
             <a:ext cx="1185919" cy="236986"/>
           </a:xfrm>
           <a:prstGeom prst="rect">
@@ -8471,6 +8851,99 @@
           </a:solidFill>
           <a:ln w="6350">
             <a:noFill/>
+          </a:ln>
+        </p:spPr>
+        <p:style>
+          <a:lnRef idx="2">
+            <a:schemeClr val="accent1">
+              <a:shade val="50000"/>
+            </a:schemeClr>
+          </a:lnRef>
+          <a:fillRef idx="1">
+            <a:schemeClr val="accent1"/>
+          </a:fillRef>
+          <a:effectRef idx="0">
+            <a:schemeClr val="accent1"/>
+          </a:effectRef>
+          <a:fontRef idx="minor">
+            <a:schemeClr val="lt1"/>
+          </a:fontRef>
+        </p:style>
+        <p:txBody>
+          <a:bodyPr rtlCol="0" anchor="ctr"/>
+          <a:lstStyle/>
+          <a:p>
+            <a:pPr algn="ctr"/>
+            <a:endParaRPr lang="ko-KR" altLang="en-US"/>
+          </a:p>
+        </p:txBody>
+      </p:sp>
+      <p:sp>
+        <p:nvSpPr>
+          <p:cNvPr id="49" name="TextBox 48"/>
+          <p:cNvSpPr txBox="1"/>
+          <p:nvPr/>
+        </p:nvSpPr>
+        <p:spPr>
+          <a:xfrm>
+            <a:off x="290638" y="3070473"/>
+            <a:ext cx="920980" cy="246221"/>
+          </a:xfrm>
+          <a:prstGeom prst="rect">
+            <a:avLst/>
+          </a:prstGeom>
+          <a:noFill/>
+        </p:spPr>
+        <p:txBody>
+          <a:bodyPr wrap="square" rtlCol="0">
+            <a:spAutoFit/>
+          </a:bodyPr>
+          <a:lstStyle/>
+          <a:p>
+            <a:r>
+              <a:rPr lang="ko-KR" altLang="en-US" sz="1000" dirty="0" smtClean="0">
+                <a:solidFill>
+                  <a:schemeClr val="tx1">
+                    <a:lumMod val="50000"/>
+                    <a:lumOff val="50000"/>
+                  </a:schemeClr>
+                </a:solidFill>
+              </a:rPr>
+              <a:t>이메일</a:t>
+            </a:r>
+            <a:endParaRPr lang="ko-KR" altLang="en-US" sz="1000" dirty="0">
+              <a:solidFill>
+                <a:schemeClr val="tx1">
+                  <a:lumMod val="50000"/>
+                  <a:lumOff val="50000"/>
+                </a:schemeClr>
+              </a:solidFill>
+            </a:endParaRPr>
+          </a:p>
+        </p:txBody>
+      </p:sp>
+      <p:sp>
+        <p:nvSpPr>
+          <p:cNvPr id="50" name="직사각형 49"/>
+          <p:cNvSpPr/>
+          <p:nvPr/>
+        </p:nvSpPr>
+        <p:spPr>
+          <a:xfrm>
+            <a:off x="1233448" y="3068878"/>
+            <a:ext cx="1185919" cy="236986"/>
+          </a:xfrm>
+          <a:prstGeom prst="rect">
+            <a:avLst/>
+          </a:prstGeom>
+          <a:noFill/>
+          <a:ln w="6350">
+            <a:solidFill>
+              <a:schemeClr val="tx1">
+                <a:lumMod val="50000"/>
+                <a:lumOff val="50000"/>
+              </a:schemeClr>
+            </a:solidFill>
           </a:ln>
         </p:spPr>
         <p:style>
@@ -13355,11 +13828,7 @@
             </a:r>
             <a:r>
               <a:rPr lang="ko-KR" altLang="en-US" dirty="0" err="1" smtClean="0"/>
-              <a:t>유공자</a:t>
-            </a:r>
-            <a:r>
-              <a:rPr lang="ko-KR" altLang="en-US" dirty="0" err="1" smtClean="0"/>
-              <a:t>관리</a:t>
+              <a:t>유공자관리</a:t>
             </a:r>
             <a:endParaRPr lang="ko-KR" altLang="en-US" dirty="0"/>
           </a:p>
@@ -27940,15 +28409,6 @@
               </a:rPr>
               <a:t>Sitemap</a:t>
             </a:r>
-            <a:endParaRPr lang="en-US" altLang="ko-KR" sz="1200" b="1" dirty="0" smtClean="0">
-              <a:solidFill>
-                <a:schemeClr val="tx1">
-                  <a:lumMod val="75000"/>
-                  <a:lumOff val="25000"/>
-                </a:schemeClr>
-              </a:solidFill>
-              <a:cs typeface="Tahoma" pitchFamily="34" charset="0"/>
-            </a:endParaRPr>
           </a:p>
           <a:p>
             <a:pPr marL="228600" lvl="0" indent="-228600">
@@ -28761,11 +29221,7 @@
           <a:p>
             <a:r>
               <a:rPr lang="en-US" altLang="ko-KR" dirty="0" smtClean="0"/>
-              <a:t>1. </a:t>
-            </a:r>
-            <a:r>
-              <a:rPr lang="en-US" altLang="ko-KR" dirty="0" smtClean="0"/>
-              <a:t>Site map</a:t>
+              <a:t>1. Site map</a:t>
             </a:r>
             <a:endParaRPr lang="ko-KR" altLang="en-US" dirty="0"/>
           </a:p>
@@ -30904,13 +31360,8 @@
           <a:p>
             <a:r>
               <a:rPr lang="en-US" altLang="ko-KR" dirty="0" smtClean="0"/>
-              <a:t>Top </a:t>
-            </a:r>
-            <a:r>
-              <a:rPr lang="en-US" altLang="ko-KR" dirty="0" smtClean="0"/>
-              <a:t>menu</a:t>
-            </a:r>
-            <a:endParaRPr lang="en-US" altLang="ko-KR" dirty="0" smtClean="0"/>
+              <a:t>Top menu</a:t>
+            </a:r>
           </a:p>
         </p:txBody>
       </p:sp>
@@ -31096,21 +31547,7 @@
                 <a:ea typeface="+mn-ea"/>
                 <a:cs typeface="+mn-cs"/>
               </a:rPr>
-              <a:t>  2020. </a:t>
-            </a:r>
-            <a:r>
-              <a:rPr lang="en-US" altLang="ko-KR" sz="800" b="0" i="0" kern="1200" dirty="0" smtClean="0">
-                <a:solidFill>
-                  <a:schemeClr val="bg1">
-                    <a:lumMod val="75000"/>
-                  </a:schemeClr>
-                </a:solidFill>
-                <a:effectLst/>
-                <a:latin typeface="+mn-lt"/>
-                <a:ea typeface="+mn-ea"/>
-                <a:cs typeface="+mn-cs"/>
-              </a:rPr>
-              <a:t>All Rights Reserved.</a:t>
+              <a:t>  2020. All Rights Reserved.</a:t>
             </a:r>
             <a:endParaRPr lang="en-US" altLang="ko-KR" sz="800" dirty="0" smtClean="0">
               <a:solidFill>
@@ -31952,7 +32389,19 @@
             </a:r>
             <a:r>
               <a:rPr lang="ko-KR" altLang="en-US" dirty="0" smtClean="0"/>
-              <a:t>소속 가운데 </a:t>
+              <a:t>전화번호</a:t>
+            </a:r>
+            <a:r>
+              <a:rPr lang="en-US" altLang="ko-KR" dirty="0" smtClean="0"/>
+              <a:t>, </a:t>
+            </a:r>
+            <a:r>
+              <a:rPr lang="ko-KR" altLang="en-US" dirty="0" smtClean="0"/>
+              <a:t>핸드폰 번호 </a:t>
+            </a:r>
+            <a:r>
+              <a:rPr lang="ko-KR" altLang="en-US" dirty="0" smtClean="0"/>
+              <a:t>가운데 </a:t>
             </a:r>
             <a:r>
               <a:rPr lang="ko-KR" altLang="en-US" dirty="0" err="1" smtClean="0"/>
@@ -32151,7 +32600,7 @@
           <p:nvPr>
             <p:extLst>
               <p:ext uri="{D42A27DB-BD31-4B8C-83A1-F6EECF244321}">
-                <p14:modId xmlns:p14="http://schemas.microsoft.com/office/powerpoint/2010/main" val="4177274167"/>
+                <p14:modId xmlns:p14="http://schemas.microsoft.com/office/powerpoint/2010/main" val="2237878217"/>
               </p:ext>
             </p:extLst>
           </p:nvPr>
@@ -32316,19 +32765,7 @@
                       <a:pPr algn="ctr" latinLnBrk="1"/>
                       <a:r>
                         <a:rPr lang="ko-KR" altLang="en-US" sz="900" dirty="0" smtClean="0"/>
-                        <a:t>소속</a:t>
-                      </a:r>
-                      <a:r>
-                        <a:rPr lang="en-US" altLang="ko-KR" sz="900" dirty="0" smtClean="0"/>
-                        <a:t>(</a:t>
-                      </a:r>
-                      <a:r>
-                        <a:rPr lang="ko-KR" altLang="en-US" sz="900" dirty="0" smtClean="0"/>
-                        <a:t>직업</a:t>
-                      </a:r>
-                      <a:r>
-                        <a:rPr lang="en-US" altLang="ko-KR" sz="900" dirty="0" smtClean="0"/>
-                        <a:t>)</a:t>
+                        <a:t>전화번호</a:t>
                       </a:r>
                       <a:endParaRPr lang="ko-KR" altLang="en-US" sz="900" dirty="0"/>
                     </a:p>
@@ -32439,8 +32876,8 @@
                     <a:p>
                       <a:pPr algn="ctr" latinLnBrk="1"/>
                       <a:r>
-                        <a:rPr lang="ko-KR" altLang="en-US" sz="900" dirty="0" smtClean="0"/>
-                        <a:t>변호사</a:t>
+                        <a:rPr lang="en-US" altLang="ko-KR" sz="900" dirty="0" smtClean="0"/>
+                        <a:t>010-0000-0000</a:t>
                       </a:r>
                       <a:endParaRPr lang="ko-KR" altLang="en-US" sz="900" dirty="0"/>
                     </a:p>
